--- a/images/triplexator_params.pptx
+++ b/images/triplexator_params.pptx
@@ -304,7 +304,7 @@
           <a:p>
             <a:fld id="{01197F44-DB72-474A-9754-31703E05C006}" type="datetimeFigureOut">
               <a:rPr lang="en-US" smtClean="0"/>
-              <a:t>1/15/19</a:t>
+              <a:t>4/12/19</a:t>
             </a:fld>
             <a:endParaRPr lang="en-US"/>
           </a:p>
@@ -474,7 +474,7 @@
           <a:p>
             <a:fld id="{01197F44-DB72-474A-9754-31703E05C006}" type="datetimeFigureOut">
               <a:rPr lang="en-US" smtClean="0"/>
-              <a:t>1/15/19</a:t>
+              <a:t>4/12/19</a:t>
             </a:fld>
             <a:endParaRPr lang="en-US"/>
           </a:p>
@@ -654,7 +654,7 @@
           <a:p>
             <a:fld id="{01197F44-DB72-474A-9754-31703E05C006}" type="datetimeFigureOut">
               <a:rPr lang="en-US" smtClean="0"/>
-              <a:t>1/15/19</a:t>
+              <a:t>4/12/19</a:t>
             </a:fld>
             <a:endParaRPr lang="en-US"/>
           </a:p>
@@ -824,7 +824,7 @@
           <a:p>
             <a:fld id="{01197F44-DB72-474A-9754-31703E05C006}" type="datetimeFigureOut">
               <a:rPr lang="en-US" smtClean="0"/>
-              <a:t>1/15/19</a:t>
+              <a:t>4/12/19</a:t>
             </a:fld>
             <a:endParaRPr lang="en-US"/>
           </a:p>
@@ -1070,7 +1070,7 @@
           <a:p>
             <a:fld id="{01197F44-DB72-474A-9754-31703E05C006}" type="datetimeFigureOut">
               <a:rPr lang="en-US" smtClean="0"/>
-              <a:t>1/15/19</a:t>
+              <a:t>4/12/19</a:t>
             </a:fld>
             <a:endParaRPr lang="en-US"/>
           </a:p>
@@ -1358,7 +1358,7 @@
           <a:p>
             <a:fld id="{01197F44-DB72-474A-9754-31703E05C006}" type="datetimeFigureOut">
               <a:rPr lang="en-US" smtClean="0"/>
-              <a:t>1/15/19</a:t>
+              <a:t>4/12/19</a:t>
             </a:fld>
             <a:endParaRPr lang="en-US"/>
           </a:p>
@@ -1780,7 +1780,7 @@
           <a:p>
             <a:fld id="{01197F44-DB72-474A-9754-31703E05C006}" type="datetimeFigureOut">
               <a:rPr lang="en-US" smtClean="0"/>
-              <a:t>1/15/19</a:t>
+              <a:t>4/12/19</a:t>
             </a:fld>
             <a:endParaRPr lang="en-US"/>
           </a:p>
@@ -1898,7 +1898,7 @@
           <a:p>
             <a:fld id="{01197F44-DB72-474A-9754-31703E05C006}" type="datetimeFigureOut">
               <a:rPr lang="en-US" smtClean="0"/>
-              <a:t>1/15/19</a:t>
+              <a:t>4/12/19</a:t>
             </a:fld>
             <a:endParaRPr lang="en-US"/>
           </a:p>
@@ -1993,7 +1993,7 @@
           <a:p>
             <a:fld id="{01197F44-DB72-474A-9754-31703E05C006}" type="datetimeFigureOut">
               <a:rPr lang="en-US" smtClean="0"/>
-              <a:t>1/15/19</a:t>
+              <a:t>4/12/19</a:t>
             </a:fld>
             <a:endParaRPr lang="en-US"/>
           </a:p>
@@ -2270,7 +2270,7 @@
           <a:p>
             <a:fld id="{01197F44-DB72-474A-9754-31703E05C006}" type="datetimeFigureOut">
               <a:rPr lang="en-US" smtClean="0"/>
-              <a:t>1/15/19</a:t>
+              <a:t>4/12/19</a:t>
             </a:fld>
             <a:endParaRPr lang="en-US"/>
           </a:p>
@@ -2523,7 +2523,7 @@
           <a:p>
             <a:fld id="{01197F44-DB72-474A-9754-31703E05C006}" type="datetimeFigureOut">
               <a:rPr lang="en-US" smtClean="0"/>
-              <a:t>1/15/19</a:t>
+              <a:t>4/12/19</a:t>
             </a:fld>
             <a:endParaRPr lang="en-US"/>
           </a:p>
@@ -2736,7 +2736,7 @@
           <a:p>
             <a:fld id="{01197F44-DB72-474A-9754-31703E05C006}" type="datetimeFigureOut">
               <a:rPr lang="en-US" smtClean="0"/>
-              <a:t>1/15/19</a:t>
+              <a:t>4/12/19</a:t>
             </a:fld>
             <a:endParaRPr lang="en-US"/>
           </a:p>
@@ -3120,7 +3120,7 @@
           <p:nvPr>
             <p:extLst>
               <p:ext uri="{D42A27DB-BD31-4B8C-83A1-F6EECF244321}">
-                <p14:modId xmlns:p14="http://schemas.microsoft.com/office/powerpoint/2010/main" val="2132643637"/>
+                <p14:modId xmlns:p14="http://schemas.microsoft.com/office/powerpoint/2010/main" val="513589835"/>
               </p:ext>
             </p:extLst>
           </p:nvPr>
@@ -3284,24 +3284,10 @@
                           <a:latin typeface="Courier New"/>
                           <a:cs typeface="Courier New"/>
                         </a:rPr>
-                        <a:t> off -l 12 -e </a:t>
-                      </a:r>
-                      <a:r>
-                        <a:rPr lang="en-US" sz="1300" dirty="0" smtClean="0">
-                          <a:latin typeface="Courier New"/>
-                          <a:cs typeface="Courier New"/>
-                        </a:rPr>
-                        <a:t>5</a:t>
+                        <a:t> off -l 12 -e 5</a:t>
                       </a:r>
                     </a:p>
                     <a:p>
-                      <a:r>
-                        <a:rPr lang="en-US" sz="1300" dirty="0" smtClean="0">
-                          <a:latin typeface="Courier New"/>
-                          <a:cs typeface="Courier New"/>
-                        </a:rPr>
-                        <a:t>(default parameters)</a:t>
-                      </a:r>
                       <a:endParaRPr lang="en-US" sz="1300" dirty="0">
                         <a:latin typeface="Courier New"/>
                         <a:cs typeface="Courier New"/>
